--- a/Slides/Lecture08 - Design Patterns in Practice.pptx
+++ b/Slides/Lecture08 - Design Patterns in Practice.pptx
@@ -352,7 +352,7 @@
               <a:rPr lang="en-US" smtClean="0">
                 <a:latin typeface="Segoe UI" pitchFamily="34" charset="0"/>
               </a:rPr>
-              <a:t>10/12/2018</a:t>
+              <a:t>11/14/2018</a:t>
             </a:fld>
             <a:endParaRPr lang="en-US" dirty="0">
               <a:latin typeface="Segoe UI" pitchFamily="34" charset="0"/>
@@ -675,7 +675,7 @@
             <a:fld id="{D51B1278-D92B-4AF3-A9C1-71DD298190CE}" type="datetimeFigureOut">
               <a:rPr lang="en-US" smtClean="0"/>
               <a:pPr/>
-              <a:t>10/12/2018</a:t>
+              <a:t>11/14/2018</a:t>
             </a:fld>
             <a:endParaRPr lang="en-US" dirty="0"/>
           </a:p>
@@ -1080,7 +1080,7 @@
           <a:p>
             <a:fld id="{A52C21BA-0070-47D9-9EDF-40169F52AFFC}" type="datetime1">
               <a:rPr lang="en-US" smtClean="0"/>
-              <a:t>10/12/2018</a:t>
+              <a:t>11/14/2018</a:t>
             </a:fld>
             <a:endParaRPr lang="en-US" dirty="0"/>
           </a:p>
@@ -1283,7 +1283,7 @@
           <a:p>
             <a:fld id="{55453810-472C-42CF-AE3E-3BF69C1C62DB}" type="datetime1">
               <a:rPr lang="en-US" smtClean="0"/>
-              <a:t>10/12/2018</a:t>
+              <a:t>11/14/2018</a:t>
             </a:fld>
             <a:endParaRPr lang="en-US" dirty="0"/>
           </a:p>
@@ -1486,7 +1486,7 @@
           <a:p>
             <a:fld id="{64AB8291-FE64-4DF5-921A-94B0141816FD}" type="datetime1">
               <a:rPr lang="en-US" smtClean="0"/>
-              <a:t>10/12/2018</a:t>
+              <a:t>11/14/2018</a:t>
             </a:fld>
             <a:endParaRPr lang="en-US" dirty="0"/>
           </a:p>
@@ -1689,7 +1689,7 @@
           <a:p>
             <a:fld id="{339AAF01-CA53-46B1-A55B-12DC1AE0925A}" type="datetime1">
               <a:rPr lang="en-US" smtClean="0"/>
-              <a:t>10/12/2018</a:t>
+              <a:t>11/14/2018</a:t>
             </a:fld>
             <a:endParaRPr lang="en-US" dirty="0"/>
           </a:p>
@@ -1892,7 +1892,7 @@
           <a:p>
             <a:fld id="{EA302EF4-6767-487E-913A-D6923C22B2D7}" type="datetime1">
               <a:rPr lang="en-US" smtClean="0"/>
-              <a:t>10/12/2018</a:t>
+              <a:t>11/14/2018</a:t>
             </a:fld>
             <a:endParaRPr lang="en-US" dirty="0"/>
           </a:p>
@@ -2095,7 +2095,7 @@
           <a:p>
             <a:fld id="{A7F99C89-5434-4B8C-A798-BD5231F1A163}" type="datetime1">
               <a:rPr lang="en-US" smtClean="0"/>
-              <a:t>10/12/2018</a:t>
+              <a:t>11/14/2018</a:t>
             </a:fld>
             <a:endParaRPr lang="en-US" dirty="0"/>
           </a:p>
@@ -2298,7 +2298,7 @@
           <a:p>
             <a:fld id="{C9A60A59-D504-4831-A7E6-C93659C78A54}" type="datetime1">
               <a:rPr lang="en-US" smtClean="0"/>
-              <a:t>10/12/2018</a:t>
+              <a:t>11/14/2018</a:t>
             </a:fld>
             <a:endParaRPr lang="en-US" dirty="0"/>
           </a:p>
@@ -2501,7 +2501,7 @@
           <a:p>
             <a:fld id="{13387416-483C-4FAD-BAE7-895396D44C2D}" type="datetime1">
               <a:rPr lang="en-US" smtClean="0"/>
-              <a:t>10/12/2018</a:t>
+              <a:t>11/14/2018</a:t>
             </a:fld>
             <a:endParaRPr lang="en-US" dirty="0"/>
           </a:p>
@@ -2704,7 +2704,7 @@
           <a:p>
             <a:fld id="{55DB356B-35E3-4EC5-A554-EFC26DC44721}" type="datetime1">
               <a:rPr lang="en-US" smtClean="0"/>
-              <a:t>10/12/2018</a:t>
+              <a:t>11/14/2018</a:t>
             </a:fld>
             <a:endParaRPr lang="en-US" dirty="0"/>
           </a:p>
@@ -2907,7 +2907,7 @@
           <a:p>
             <a:fld id="{E468B98F-A18E-436B-AA0D-096113BCBACC}" type="datetime1">
               <a:rPr lang="en-US" smtClean="0"/>
-              <a:t>10/12/2018</a:t>
+              <a:t>11/14/2018</a:t>
             </a:fld>
             <a:endParaRPr lang="en-US" dirty="0"/>
           </a:p>
@@ -3110,7 +3110,7 @@
           <a:p>
             <a:fld id="{1720DD90-6BF0-4E1D-9B95-4F4E07AD3901}" type="datetime1">
               <a:rPr lang="en-US" smtClean="0"/>
-              <a:t>10/12/2018</a:t>
+              <a:t>11/14/2018</a:t>
             </a:fld>
             <a:endParaRPr lang="en-US" dirty="0"/>
           </a:p>
@@ -3313,7 +3313,7 @@
           <a:p>
             <a:fld id="{28ADA31E-3D7D-4E3C-A162-ADF6CD0AD1F2}" type="datetime1">
               <a:rPr lang="en-US" smtClean="0"/>
-              <a:t>10/12/2018</a:t>
+              <a:t>11/14/2018</a:t>
             </a:fld>
             <a:endParaRPr lang="en-US" dirty="0"/>
           </a:p>
@@ -7018,8 +7018,12 @@
               <a:buNone/>
             </a:pPr>
             <a:r>
+              <a:rPr lang="en-US"/>
+              <a:t>Associate </a:t>
+            </a:r>
+            <a:r>
               <a:rPr lang="en-US" dirty="0"/>
-              <a:t>External Associate Professor</a:t>
+              <a:t>Professor</a:t>
             </a:r>
           </a:p>
           <a:p>
@@ -12687,58 +12691,12 @@
 </file>
 
 <file path=customXml/item1.xml><?xml version="1.0" encoding="utf-8"?>
-<p:properties xmlns:p="http://schemas.microsoft.com/office/2006/metadata/properties" xmlns:xsi="http://www.w3.org/2001/XMLSchema-instance" xmlns:pc="http://schemas.microsoft.com/office/infopath/2007/PartnerControls">
-  <documentManagement>
-    <TrackTaxHTField0 xmlns="2295e2e7-0eeb-498e-8716-217bb2ee6ee3">
-      <Terms xmlns="http://schemas.microsoft.com/office/infopath/2007/PartnerControls"/>
-    </TrackTaxHTField0>
-    <CampaignTaxHTField0 xmlns="2295e2e7-0eeb-498e-8716-217bb2ee6ee3">
-      <Terms xmlns="http://schemas.microsoft.com/office/infopath/2007/PartnerControls"/>
-    </CampaignTaxHTField0>
-    <Event_x0020_End_x0020_Date xmlns="2295e2e7-0eeb-498e-8716-217bb2ee6ee3" xsi:nil="true"/>
-    <Event_x0020_Start_x0020_Date xmlns="2295e2e7-0eeb-498e-8716-217bb2ee6ee3" xsi:nil="true"/>
-    <MS_x0020_Speaker xmlns="2295e2e7-0eeb-498e-8716-217bb2ee6ee3">
-      <UserInfo>
-        <DisplayName/>
-        <AccountId xsi:nil="true"/>
-        <AccountType/>
-      </UserInfo>
-    </MS_x0020_Speaker>
-    <External_x0020_Speaker xmlns="2295e2e7-0eeb-498e-8716-217bb2ee6ee3" xsi:nil="true"/>
-    <Session_x0020_Code xmlns="2295e2e7-0eeb-498e-8716-217bb2ee6ee3" xsi:nil="true"/>
-    <ProductTaxHTField0 xmlns="2295e2e7-0eeb-498e-8716-217bb2ee6ee3">
-      <Terms xmlns="http://schemas.microsoft.com/office/infopath/2007/PartnerControls"/>
-    </ProductTaxHTField0>
-    <Presentation_x0020_Date xmlns="2295e2e7-0eeb-498e-8716-217bb2ee6ee3" xsi:nil="true"/>
-    <Event_x0020_LocationTaxHTField0 xmlns="2295e2e7-0eeb-498e-8716-217bb2ee6ee3">
-      <Terms xmlns="http://schemas.microsoft.com/office/infopath/2007/PartnerControls"/>
-    </Event_x0020_LocationTaxHTField0>
-    <Event1TaxHTField0 xmlns="2295e2e7-0eeb-498e-8716-217bb2ee6ee3">
-      <Terms xmlns="http://schemas.microsoft.com/office/infopath/2007/PartnerControls">
-        <TermInfo xmlns="http://schemas.microsoft.com/office/infopath/2007/PartnerControls">
-          <TermName xmlns="http://schemas.microsoft.com/office/infopath/2007/PartnerControls">Unassigned</TermName>
-          <TermId xmlns="http://schemas.microsoft.com/office/infopath/2007/PartnerControls">e51362f4-782c-41a8-bb7b-e0cfc8669933</TermId>
-        </TermInfo>
-      </Terms>
-    </Event1TaxHTField0>
-    <AudienceTaxHTField0 xmlns="8b529f77-48ab-4581-b468-93f09345b8aa">
-      <Terms xmlns="http://schemas.microsoft.com/office/infopath/2007/PartnerControls"/>
-    </AudienceTaxHTField0>
-    <MS_x0020_Content_x0020_Owner xmlns="2295e2e7-0eeb-498e-8716-217bb2ee6ee3">
-      <UserInfo>
-        <DisplayName/>
-        <AccountId xsi:nil="true"/>
-        <AccountType/>
-      </UserInfo>
-    </MS_x0020_Content_x0020_Owner>
-    <TaxCatchAll xmlns="2295e2e7-0eeb-498e-8716-217bb2ee6ee3">
-      <Value>217</Value>
-    </TaxCatchAll>
-    <Event_x0020_VenueTaxHTField0 xmlns="2295e2e7-0eeb-498e-8716-217bb2ee6ee3">
-      <Terms xmlns="http://schemas.microsoft.com/office/infopath/2007/PartnerControls"/>
-    </Event_x0020_VenueTaxHTField0>
-  </documentManagement>
-</p:properties>
+<?mso-contentType ?>
+<FormTemplates xmlns="http://schemas.microsoft.com/sharepoint/v3/contenttype/forms">
+  <Display>DocumentLibraryForm</Display>
+  <Edit>DocumentLibraryForm</Edit>
+  <New>DocumentLibraryForm</New>
+</FormTemplates>
 </file>
 
 <file path=customXml/item2.xml><?xml version="1.0" encoding="utf-8"?>
@@ -13021,27 +12979,64 @@
 </file>
 
 <file path=customXml/item3.xml><?xml version="1.0" encoding="utf-8"?>
-<?mso-contentType ?>
-<FormTemplates xmlns="http://schemas.microsoft.com/sharepoint/v3/contenttype/forms">
-  <Display>DocumentLibraryForm</Display>
-  <Edit>DocumentLibraryForm</Edit>
-  <New>DocumentLibraryForm</New>
-</FormTemplates>
+<p:properties xmlns:p="http://schemas.microsoft.com/office/2006/metadata/properties" xmlns:xsi="http://www.w3.org/2001/XMLSchema-instance" xmlns:pc="http://schemas.microsoft.com/office/infopath/2007/PartnerControls">
+  <documentManagement>
+    <TrackTaxHTField0 xmlns="2295e2e7-0eeb-498e-8716-217bb2ee6ee3">
+      <Terms xmlns="http://schemas.microsoft.com/office/infopath/2007/PartnerControls"/>
+    </TrackTaxHTField0>
+    <CampaignTaxHTField0 xmlns="2295e2e7-0eeb-498e-8716-217bb2ee6ee3">
+      <Terms xmlns="http://schemas.microsoft.com/office/infopath/2007/PartnerControls"/>
+    </CampaignTaxHTField0>
+    <Event_x0020_End_x0020_Date xmlns="2295e2e7-0eeb-498e-8716-217bb2ee6ee3" xsi:nil="true"/>
+    <Event_x0020_Start_x0020_Date xmlns="2295e2e7-0eeb-498e-8716-217bb2ee6ee3" xsi:nil="true"/>
+    <MS_x0020_Speaker xmlns="2295e2e7-0eeb-498e-8716-217bb2ee6ee3">
+      <UserInfo>
+        <DisplayName/>
+        <AccountId xsi:nil="true"/>
+        <AccountType/>
+      </UserInfo>
+    </MS_x0020_Speaker>
+    <External_x0020_Speaker xmlns="2295e2e7-0eeb-498e-8716-217bb2ee6ee3" xsi:nil="true"/>
+    <Session_x0020_Code xmlns="2295e2e7-0eeb-498e-8716-217bb2ee6ee3" xsi:nil="true"/>
+    <ProductTaxHTField0 xmlns="2295e2e7-0eeb-498e-8716-217bb2ee6ee3">
+      <Terms xmlns="http://schemas.microsoft.com/office/infopath/2007/PartnerControls"/>
+    </ProductTaxHTField0>
+    <Presentation_x0020_Date xmlns="2295e2e7-0eeb-498e-8716-217bb2ee6ee3" xsi:nil="true"/>
+    <Event_x0020_LocationTaxHTField0 xmlns="2295e2e7-0eeb-498e-8716-217bb2ee6ee3">
+      <Terms xmlns="http://schemas.microsoft.com/office/infopath/2007/PartnerControls"/>
+    </Event_x0020_LocationTaxHTField0>
+    <Event1TaxHTField0 xmlns="2295e2e7-0eeb-498e-8716-217bb2ee6ee3">
+      <Terms xmlns="http://schemas.microsoft.com/office/infopath/2007/PartnerControls">
+        <TermInfo xmlns="http://schemas.microsoft.com/office/infopath/2007/PartnerControls">
+          <TermName xmlns="http://schemas.microsoft.com/office/infopath/2007/PartnerControls">Unassigned</TermName>
+          <TermId xmlns="http://schemas.microsoft.com/office/infopath/2007/PartnerControls">e51362f4-782c-41a8-bb7b-e0cfc8669933</TermId>
+        </TermInfo>
+      </Terms>
+    </Event1TaxHTField0>
+    <AudienceTaxHTField0 xmlns="8b529f77-48ab-4581-b468-93f09345b8aa">
+      <Terms xmlns="http://schemas.microsoft.com/office/infopath/2007/PartnerControls"/>
+    </AudienceTaxHTField0>
+    <MS_x0020_Content_x0020_Owner xmlns="2295e2e7-0eeb-498e-8716-217bb2ee6ee3">
+      <UserInfo>
+        <DisplayName/>
+        <AccountId xsi:nil="true"/>
+        <AccountType/>
+      </UserInfo>
+    </MS_x0020_Content_x0020_Owner>
+    <TaxCatchAll xmlns="2295e2e7-0eeb-498e-8716-217bb2ee6ee3">
+      <Value>217</Value>
+    </TaxCatchAll>
+    <Event_x0020_VenueTaxHTField0 xmlns="2295e2e7-0eeb-498e-8716-217bb2ee6ee3">
+      <Terms xmlns="http://schemas.microsoft.com/office/infopath/2007/PartnerControls"/>
+    </Event_x0020_VenueTaxHTField0>
+  </documentManagement>
+</p:properties>
 </file>
 
 <file path=customXml/itemProps1.xml><?xml version="1.0" encoding="utf-8"?>
-<ds:datastoreItem xmlns:ds="http://schemas.openxmlformats.org/officeDocument/2006/customXml" ds:itemID="{F990F116-B58F-4255-B05B-DA3808E0E5C6}">
+<ds:datastoreItem xmlns:ds="http://schemas.openxmlformats.org/officeDocument/2006/customXml" ds:itemID="{758FDAC0-319D-4A54-8D8E-1D42CB1F8004}">
   <ds:schemaRefs>
-    <ds:schemaRef ds:uri="http://purl.org/dc/dcmitype/"/>
-    <ds:schemaRef ds:uri="http://purl.org/dc/terms/"/>
-    <ds:schemaRef ds:uri="http://schemas.microsoft.com/office/2006/documentManagement/types"/>
-    <ds:schemaRef ds:uri="http://schemas.microsoft.com/office/2006/metadata/properties"/>
-    <ds:schemaRef ds:uri="http://schemas.openxmlformats.org/package/2006/metadata/core-properties"/>
-    <ds:schemaRef ds:uri="http://purl.org/dc/elements/1.1/"/>
-    <ds:schemaRef ds:uri="2295e2e7-0eeb-498e-8716-217bb2ee6ee3"/>
-    <ds:schemaRef ds:uri="http://schemas.microsoft.com/office/infopath/2007/PartnerControls"/>
-    <ds:schemaRef ds:uri="8b529f77-48ab-4581-b468-93f09345b8aa"/>
-    <ds:schemaRef ds:uri="http://www.w3.org/XML/1998/namespace"/>
+    <ds:schemaRef ds:uri="http://schemas.microsoft.com/sharepoint/v3/contenttype/forms"/>
   </ds:schemaRefs>
 </ds:datastoreItem>
 </file>
@@ -13066,9 +13061,18 @@
 </file>
 
 <file path=customXml/itemProps3.xml><?xml version="1.0" encoding="utf-8"?>
-<ds:datastoreItem xmlns:ds="http://schemas.openxmlformats.org/officeDocument/2006/customXml" ds:itemID="{758FDAC0-319D-4A54-8D8E-1D42CB1F8004}">
+<ds:datastoreItem xmlns:ds="http://schemas.openxmlformats.org/officeDocument/2006/customXml" ds:itemID="{F990F116-B58F-4255-B05B-DA3808E0E5C6}">
   <ds:schemaRefs>
-    <ds:schemaRef ds:uri="http://schemas.microsoft.com/sharepoint/v3/contenttype/forms"/>
+    <ds:schemaRef ds:uri="http://purl.org/dc/dcmitype/"/>
+    <ds:schemaRef ds:uri="http://purl.org/dc/terms/"/>
+    <ds:schemaRef ds:uri="http://schemas.microsoft.com/office/2006/documentManagement/types"/>
+    <ds:schemaRef ds:uri="http://schemas.microsoft.com/office/2006/metadata/properties"/>
+    <ds:schemaRef ds:uri="http://schemas.openxmlformats.org/package/2006/metadata/core-properties"/>
+    <ds:schemaRef ds:uri="http://purl.org/dc/elements/1.1/"/>
+    <ds:schemaRef ds:uri="2295e2e7-0eeb-498e-8716-217bb2ee6ee3"/>
+    <ds:schemaRef ds:uri="http://schemas.microsoft.com/office/infopath/2007/PartnerControls"/>
+    <ds:schemaRef ds:uri="8b529f77-48ab-4581-b468-93f09345b8aa"/>
+    <ds:schemaRef ds:uri="http://www.w3.org/XML/1998/namespace"/>
   </ds:schemaRefs>
 </ds:datastoreItem>
 </file>